--- a/docs/logo.pptx
+++ b/docs/logo.pptx
@@ -6,6 +6,7 @@
   </p:sldMasterIdLst>
   <p:sldIdLst>
     <p:sldId id="258" r:id="rId2"/>
+    <p:sldId id="259" r:id="rId3"/>
   </p:sldIdLst>
   <p:sldSz cx="9144000" cy="6858000" type="screen4x3"/>
   <p:notesSz cx="6858000" cy="9144000"/>
@@ -304,7 +305,7 @@
           <a:p>
             <a:fld id="{76DC0EB9-A4B0-4492-AB64-11C80D703AE3}" type="datetimeFigureOut">
               <a:rPr lang="en-SG" smtClean="0"/>
-              <a:t>19/4/2018</a:t>
+              <a:t>8/6/2020</a:t>
             </a:fld>
             <a:endParaRPr lang="en-SG"/>
           </a:p>
@@ -474,7 +475,7 @@
           <a:p>
             <a:fld id="{76DC0EB9-A4B0-4492-AB64-11C80D703AE3}" type="datetimeFigureOut">
               <a:rPr lang="en-SG" smtClean="0"/>
-              <a:t>19/4/2018</a:t>
+              <a:t>8/6/2020</a:t>
             </a:fld>
             <a:endParaRPr lang="en-SG"/>
           </a:p>
@@ -654,7 +655,7 @@
           <a:p>
             <a:fld id="{76DC0EB9-A4B0-4492-AB64-11C80D703AE3}" type="datetimeFigureOut">
               <a:rPr lang="en-SG" smtClean="0"/>
-              <a:t>19/4/2018</a:t>
+              <a:t>8/6/2020</a:t>
             </a:fld>
             <a:endParaRPr lang="en-SG"/>
           </a:p>
@@ -824,7 +825,7 @@
           <a:p>
             <a:fld id="{76DC0EB9-A4B0-4492-AB64-11C80D703AE3}" type="datetimeFigureOut">
               <a:rPr lang="en-SG" smtClean="0"/>
-              <a:t>19/4/2018</a:t>
+              <a:t>8/6/2020</a:t>
             </a:fld>
             <a:endParaRPr lang="en-SG"/>
           </a:p>
@@ -1070,7 +1071,7 @@
           <a:p>
             <a:fld id="{76DC0EB9-A4B0-4492-AB64-11C80D703AE3}" type="datetimeFigureOut">
               <a:rPr lang="en-SG" smtClean="0"/>
-              <a:t>19/4/2018</a:t>
+              <a:t>8/6/2020</a:t>
             </a:fld>
             <a:endParaRPr lang="en-SG"/>
           </a:p>
@@ -1358,7 +1359,7 @@
           <a:p>
             <a:fld id="{76DC0EB9-A4B0-4492-AB64-11C80D703AE3}" type="datetimeFigureOut">
               <a:rPr lang="en-SG" smtClean="0"/>
-              <a:t>19/4/2018</a:t>
+              <a:t>8/6/2020</a:t>
             </a:fld>
             <a:endParaRPr lang="en-SG"/>
           </a:p>
@@ -1780,7 +1781,7 @@
           <a:p>
             <a:fld id="{76DC0EB9-A4B0-4492-AB64-11C80D703AE3}" type="datetimeFigureOut">
               <a:rPr lang="en-SG" smtClean="0"/>
-              <a:t>19/4/2018</a:t>
+              <a:t>8/6/2020</a:t>
             </a:fld>
             <a:endParaRPr lang="en-SG"/>
           </a:p>
@@ -1898,7 +1899,7 @@
           <a:p>
             <a:fld id="{76DC0EB9-A4B0-4492-AB64-11C80D703AE3}" type="datetimeFigureOut">
               <a:rPr lang="en-SG" smtClean="0"/>
-              <a:t>19/4/2018</a:t>
+              <a:t>8/6/2020</a:t>
             </a:fld>
             <a:endParaRPr lang="en-SG"/>
           </a:p>
@@ -1993,7 +1994,7 @@
           <a:p>
             <a:fld id="{76DC0EB9-A4B0-4492-AB64-11C80D703AE3}" type="datetimeFigureOut">
               <a:rPr lang="en-SG" smtClean="0"/>
-              <a:t>19/4/2018</a:t>
+              <a:t>8/6/2020</a:t>
             </a:fld>
             <a:endParaRPr lang="en-SG"/>
           </a:p>
@@ -2270,7 +2271,7 @@
           <a:p>
             <a:fld id="{76DC0EB9-A4B0-4492-AB64-11C80D703AE3}" type="datetimeFigureOut">
               <a:rPr lang="en-SG" smtClean="0"/>
-              <a:t>19/4/2018</a:t>
+              <a:t>8/6/2020</a:t>
             </a:fld>
             <a:endParaRPr lang="en-SG"/>
           </a:p>
@@ -2523,7 +2524,7 @@
           <a:p>
             <a:fld id="{76DC0EB9-A4B0-4492-AB64-11C80D703AE3}" type="datetimeFigureOut">
               <a:rPr lang="en-SG" smtClean="0"/>
-              <a:t>19/4/2018</a:t>
+              <a:t>8/6/2020</a:t>
             </a:fld>
             <a:endParaRPr lang="en-SG"/>
           </a:p>
@@ -2736,7 +2737,7 @@
           <a:p>
             <a:fld id="{76DC0EB9-A4B0-4492-AB64-11C80D703AE3}" type="datetimeFigureOut">
               <a:rPr lang="en-SG" smtClean="0"/>
-              <a:t>19/4/2018</a:t>
+              <a:t>8/6/2020</a:t>
             </a:fld>
             <a:endParaRPr lang="en-SG"/>
           </a:p>
@@ -3701,10 +3702,491 @@
           </a:prstGeom>
         </p:spPr>
       </p:pic>
+      <p:grpSp>
+        <p:nvGrpSpPr>
+          <p:cNvPr id="15" name="Group 14"/>
+          <p:cNvGrpSpPr/>
+          <p:nvPr/>
+        </p:nvGrpSpPr>
+        <p:grpSpPr>
+          <a:xfrm>
+            <a:off x="4755240" y="258313"/>
+            <a:ext cx="1152128" cy="1152128"/>
+            <a:chOff x="1835696" y="3429000"/>
+            <a:chExt cx="1152128" cy="1152128"/>
+          </a:xfrm>
+        </p:grpSpPr>
+        <p:sp>
+          <p:nvSpPr>
+            <p:cNvPr id="17" name="Round Diagonal Corner Rectangle 16"/>
+            <p:cNvSpPr/>
+            <p:nvPr/>
+          </p:nvSpPr>
+          <p:spPr>
+            <a:xfrm>
+              <a:off x="1835696" y="3429000"/>
+              <a:ext cx="1152128" cy="1152128"/>
+            </a:xfrm>
+            <a:prstGeom prst="round2DiagRect">
+              <a:avLst/>
+            </a:prstGeom>
+            <a:solidFill>
+              <a:schemeClr val="bg1"/>
+            </a:solidFill>
+            <a:ln w="28575" cap="rnd">
+              <a:solidFill>
+                <a:schemeClr val="bg1">
+                  <a:lumMod val="85000"/>
+                </a:schemeClr>
+              </a:solidFill>
+            </a:ln>
+          </p:spPr>
+          <p:style>
+            <a:lnRef idx="2">
+              <a:schemeClr val="accent1">
+                <a:shade val="50000"/>
+              </a:schemeClr>
+            </a:lnRef>
+            <a:fillRef idx="1">
+              <a:schemeClr val="accent1"/>
+            </a:fillRef>
+            <a:effectRef idx="0">
+              <a:schemeClr val="accent1"/>
+            </a:effectRef>
+            <a:fontRef idx="minor">
+              <a:schemeClr val="lt1"/>
+            </a:fontRef>
+          </p:style>
+          <p:txBody>
+            <a:bodyPr rtlCol="0" anchor="ctr"/>
+            <a:lstStyle/>
+            <a:p>
+              <a:pPr algn="ctr"/>
+              <a:r>
+                <a:rPr lang="en-US" sz="4000" b="1" dirty="0" smtClean="0">
+                  <a:latin typeface="Lucida Console" panose="020B0609040504020204" pitchFamily="49" charset="0"/>
+                  <a:cs typeface="Consolas" panose="020B0609020204030204" pitchFamily="49" charset="0"/>
+                </a:rPr>
+                <a:t/>
+              </a:r>
+              <a:br>
+                <a:rPr lang="en-US" sz="4000" b="1" dirty="0" smtClean="0">
+                  <a:latin typeface="Lucida Console" panose="020B0609040504020204" pitchFamily="49" charset="0"/>
+                  <a:cs typeface="Consolas" panose="020B0609020204030204" pitchFamily="49" charset="0"/>
+                </a:rPr>
+              </a:br>
+              <a:endParaRPr lang="en-SG" sz="4000" b="1" dirty="0">
+                <a:solidFill>
+                  <a:schemeClr val="accent6">
+                    <a:lumMod val="75000"/>
+                  </a:schemeClr>
+                </a:solidFill>
+                <a:latin typeface="Lucida Console" panose="020B0609040504020204" pitchFamily="49" charset="0"/>
+                <a:cs typeface="Consolas" panose="020B0609020204030204" pitchFamily="49" charset="0"/>
+              </a:endParaRPr>
+            </a:p>
+          </p:txBody>
+        </p:sp>
+        <p:pic>
+          <p:nvPicPr>
+            <p:cNvPr id="18" name="Picture 2"/>
+            <p:cNvPicPr>
+              <a:picLocks noChangeAspect="1" noChangeArrowheads="1"/>
+            </p:cNvPicPr>
+            <p:nvPr/>
+          </p:nvPicPr>
+          <p:blipFill rotWithShape="1">
+            <a:blip r:embed="rId2">
+              <a:extLst>
+                <a:ext uri="{28A0092B-C50C-407E-A947-70E740481C1C}">
+                  <a14:useLocalDpi xmlns:a14="http://schemas.microsoft.com/office/drawing/2010/main" val="0"/>
+                </a:ext>
+              </a:extLst>
+            </a:blip>
+            <a:srcRect l="28963" t="14091" r="27761" b="59014"/>
+            <a:stretch/>
+          </p:blipFill>
+          <p:spPr bwMode="auto">
+            <a:xfrm>
+              <a:off x="1859639" y="3429000"/>
+              <a:ext cx="1128185" cy="720080"/>
+            </a:xfrm>
+            <a:prstGeom prst="rect">
+              <a:avLst/>
+            </a:prstGeom>
+            <a:noFill/>
+            <a:ln>
+              <a:noFill/>
+            </a:ln>
+            <a:effectLst/>
+            <a:extLst>
+              <a:ext uri="{909E8E84-426E-40DD-AFC4-6F175D3DCCD1}">
+                <a14:hiddenFill xmlns:a14="http://schemas.microsoft.com/office/drawing/2010/main">
+                  <a:solidFill>
+                    <a:schemeClr val="accent1"/>
+                  </a:solidFill>
+                </a14:hiddenFill>
+              </a:ext>
+              <a:ext uri="{91240B29-F687-4F45-9708-019B960494DF}">
+                <a14:hiddenLine xmlns:a14="http://schemas.microsoft.com/office/drawing/2010/main" w="9525">
+                  <a:solidFill>
+                    <a:schemeClr val="tx1"/>
+                  </a:solidFill>
+                  <a:miter lim="800000"/>
+                  <a:headEnd/>
+                  <a:tailEnd/>
+                </a14:hiddenLine>
+              </a:ext>
+              <a:ext uri="{AF507438-7753-43E0-B8FC-AC1667EBCBE1}">
+                <a14:hiddenEffects xmlns:a14="http://schemas.microsoft.com/office/drawing/2010/main">
+                  <a:effectLst>
+                    <a:outerShdw dist="35921" dir="2700000" algn="ctr" rotWithShape="0">
+                      <a:schemeClr val="bg2"/>
+                    </a:outerShdw>
+                  </a:effectLst>
+                </a14:hiddenEffects>
+              </a:ext>
+            </a:extLst>
+          </p:spPr>
+        </p:pic>
+        <p:pic>
+          <p:nvPicPr>
+            <p:cNvPr id="19" name="Picture 3"/>
+            <p:cNvPicPr>
+              <a:picLocks noChangeAspect="1" noChangeArrowheads="1"/>
+            </p:cNvPicPr>
+            <p:nvPr/>
+          </p:nvPicPr>
+          <p:blipFill rotWithShape="1">
+            <a:blip r:embed="rId3">
+              <a:extLst>
+                <a:ext uri="{28A0092B-C50C-407E-A947-70E740481C1C}">
+                  <a14:useLocalDpi xmlns:a14="http://schemas.microsoft.com/office/drawing/2010/main" val="0"/>
+                </a:ext>
+              </a:extLst>
+            </a:blip>
+            <a:srcRect l="20548" t="49906" r="19346" b="25047"/>
+            <a:stretch/>
+          </p:blipFill>
+          <p:spPr bwMode="auto">
+            <a:xfrm>
+              <a:off x="1893856" y="4076847"/>
+              <a:ext cx="1041456" cy="429952"/>
+            </a:xfrm>
+            <a:prstGeom prst="rect">
+              <a:avLst/>
+            </a:prstGeom>
+            <a:noFill/>
+            <a:ln>
+              <a:noFill/>
+            </a:ln>
+            <a:effectLst/>
+            <a:extLst>
+              <a:ext uri="{909E8E84-426E-40DD-AFC4-6F175D3DCCD1}">
+                <a14:hiddenFill xmlns:a14="http://schemas.microsoft.com/office/drawing/2010/main">
+                  <a:solidFill>
+                    <a:schemeClr val="accent1"/>
+                  </a:solidFill>
+                </a14:hiddenFill>
+              </a:ext>
+              <a:ext uri="{91240B29-F687-4F45-9708-019B960494DF}">
+                <a14:hiddenLine xmlns:a14="http://schemas.microsoft.com/office/drawing/2010/main" w="9525">
+                  <a:solidFill>
+                    <a:schemeClr val="tx1"/>
+                  </a:solidFill>
+                  <a:miter lim="800000"/>
+                  <a:headEnd/>
+                  <a:tailEnd/>
+                </a14:hiddenLine>
+              </a:ext>
+              <a:ext uri="{AF507438-7753-43E0-B8FC-AC1667EBCBE1}">
+                <a14:hiddenEffects xmlns:a14="http://schemas.microsoft.com/office/drawing/2010/main">
+                  <a:effectLst>
+                    <a:outerShdw dist="35921" dir="2700000" algn="ctr" rotWithShape="0">
+                      <a:schemeClr val="bg2"/>
+                    </a:outerShdw>
+                  </a:effectLst>
+                </a14:hiddenEffects>
+              </a:ext>
+            </a:extLst>
+          </p:spPr>
+        </p:pic>
+      </p:grpSp>
     </p:spTree>
     <p:extLst>
       <p:ext uri="{BB962C8B-B14F-4D97-AF65-F5344CB8AC3E}">
         <p14:creationId xmlns:p14="http://schemas.microsoft.com/office/powerpoint/2010/main" val="837855216"/>
+      </p:ext>
+    </p:extLst>
+  </p:cSld>
+  <p:clrMapOvr>
+    <a:masterClrMapping/>
+  </p:clrMapOvr>
+</p:sld>
+</file>
+
+<file path=ppt/slides/slide2.xml><?xml version="1.0" encoding="utf-8"?>
+<p:sld xmlns:a="http://schemas.openxmlformats.org/drawingml/2006/main" xmlns:r="http://schemas.openxmlformats.org/officeDocument/2006/relationships" xmlns:p="http://schemas.openxmlformats.org/presentationml/2006/main">
+  <p:cSld>
+    <p:bg>
+      <p:bgPr>
+        <a:solidFill>
+          <a:schemeClr val="bg1">
+            <a:lumMod val="85000"/>
+          </a:schemeClr>
+        </a:solidFill>
+        <a:effectLst/>
+      </p:bgPr>
+    </p:bg>
+    <p:spTree>
+      <p:nvGrpSpPr>
+        <p:cNvPr id="1" name=""/>
+        <p:cNvGrpSpPr/>
+        <p:nvPr/>
+      </p:nvGrpSpPr>
+      <p:grpSpPr>
+        <a:xfrm>
+          <a:off x="0" y="0"/>
+          <a:ext cx="0" cy="0"/>
+          <a:chOff x="0" y="0"/>
+          <a:chExt cx="0" cy="0"/>
+        </a:xfrm>
+      </p:grpSpPr>
+      <p:grpSp>
+        <p:nvGrpSpPr>
+          <p:cNvPr id="6" name="Group 5"/>
+          <p:cNvGrpSpPr/>
+          <p:nvPr/>
+        </p:nvGrpSpPr>
+        <p:grpSpPr>
+          <a:xfrm>
+            <a:off x="1052516" y="4528899"/>
+            <a:ext cx="7911972" cy="1683771"/>
+            <a:chOff x="1052516" y="4528899"/>
+            <a:chExt cx="7911972" cy="1683771"/>
+          </a:xfrm>
+        </p:grpSpPr>
+        <p:sp>
+          <p:nvSpPr>
+            <p:cNvPr id="2" name="TextBox 5"/>
+            <p:cNvSpPr txBox="1"/>
+            <p:nvPr/>
+          </p:nvSpPr>
+          <p:spPr>
+            <a:xfrm>
+              <a:off x="2901506" y="4528899"/>
+              <a:ext cx="6062982" cy="1683771"/>
+            </a:xfrm>
+            <a:prstGeom prst="rect">
+              <a:avLst/>
+            </a:prstGeom>
+            <a:noFill/>
+          </p:spPr>
+          <p:txBody>
+            <a:bodyPr wrap="square" lIns="0" tIns="0" rIns="0" bIns="0" rtlCol="0" anchor="ctr" anchorCtr="0">
+              <a:noAutofit/>
+            </a:bodyPr>
+            <a:lstStyle/>
+            <a:p>
+              <a:r>
+                <a:rPr lang="en-US" sz="3200" dirty="0" smtClean="0"/>
+                <a:t>Free and Open-Source Resources for </a:t>
+              </a:r>
+              <a:r>
+                <a:rPr lang="en-US" sz="3600" dirty="0" smtClean="0"/>
+                <a:t/>
+              </a:r>
+              <a:br>
+                <a:rPr lang="en-US" sz="3600" dirty="0" smtClean="0"/>
+              </a:br>
+              <a:r>
+                <a:rPr lang="en-US" sz="4400" dirty="0" smtClean="0">
+                  <a:solidFill>
+                    <a:srgbClr val="0070C0"/>
+                  </a:solidFill>
+                </a:rPr>
+                <a:t>Software Engineering </a:t>
+              </a:r>
+              <a:r>
+                <a:rPr lang="en-US" sz="4400" dirty="0" smtClean="0"/>
+                <a:t/>
+              </a:r>
+              <a:br>
+                <a:rPr lang="en-US" sz="4400" dirty="0" smtClean="0"/>
+              </a:br>
+              <a:r>
+                <a:rPr lang="en-US" sz="4400" dirty="0" smtClean="0">
+                  <a:solidFill>
+                    <a:schemeClr val="accent6">
+                      <a:lumMod val="75000"/>
+                    </a:schemeClr>
+                  </a:solidFill>
+                </a:rPr>
+                <a:t>Education</a:t>
+              </a:r>
+              <a:endParaRPr lang="en-US" sz="3600" dirty="0">
+                <a:solidFill>
+                  <a:schemeClr val="accent6">
+                    <a:lumMod val="75000"/>
+                  </a:schemeClr>
+                </a:solidFill>
+              </a:endParaRPr>
+            </a:p>
+          </p:txBody>
+        </p:sp>
+        <p:sp>
+          <p:nvSpPr>
+            <p:cNvPr id="3" name="Rectangle 12"/>
+            <p:cNvSpPr/>
+            <p:nvPr/>
+          </p:nvSpPr>
+          <p:spPr>
+            <a:xfrm>
+              <a:off x="1123542" y="4580127"/>
+              <a:ext cx="1416218" cy="921631"/>
+            </a:xfrm>
+            <a:prstGeom prst="rect">
+              <a:avLst/>
+            </a:prstGeom>
+          </p:spPr>
+          <p:txBody>
+            <a:bodyPr wrap="none" lIns="0" tIns="0" rIns="0" bIns="0" anchor="ctr" anchorCtr="0">
+              <a:noAutofit/>
+            </a:bodyPr>
+            <a:lstStyle/>
+            <a:p>
+              <a:r>
+                <a:rPr lang="en-US" sz="9600" b="1" dirty="0">
+                  <a:solidFill>
+                    <a:srgbClr val="0070C0"/>
+                  </a:solidFill>
+                  <a:latin typeface="Lucida Console" panose="020B0609040504020204" pitchFamily="49" charset="0"/>
+                  <a:cs typeface="Consolas" panose="020B0609020204030204" pitchFamily="49" charset="0"/>
+                </a:rPr>
+                <a:t>SE</a:t>
+              </a:r>
+              <a:endParaRPr lang="en-US" sz="9600" dirty="0"/>
+            </a:p>
+          </p:txBody>
+        </p:sp>
+        <p:sp>
+          <p:nvSpPr>
+            <p:cNvPr id="4" name="Rectangle 13"/>
+            <p:cNvSpPr/>
+            <p:nvPr/>
+          </p:nvSpPr>
+          <p:spPr>
+            <a:xfrm>
+              <a:off x="1153052" y="5493172"/>
+              <a:ext cx="1453023" cy="591862"/>
+            </a:xfrm>
+            <a:prstGeom prst="rect">
+              <a:avLst/>
+            </a:prstGeom>
+          </p:spPr>
+          <p:txBody>
+            <a:bodyPr wrap="none" lIns="0" tIns="0" rIns="0" bIns="0" anchor="ctr" anchorCtr="0">
+              <a:noAutofit/>
+            </a:bodyPr>
+            <a:lstStyle/>
+            <a:p>
+              <a:pPr algn="r"/>
+              <a:r>
+                <a:rPr lang="en-US" sz="6400" b="1" dirty="0">
+                  <a:solidFill>
+                    <a:schemeClr val="accent6">
+                      <a:lumMod val="75000"/>
+                    </a:schemeClr>
+                  </a:solidFill>
+                  <a:latin typeface="Lucida Console" panose="020B0609040504020204" pitchFamily="49" charset="0"/>
+                  <a:cs typeface="Consolas" panose="020B0609020204030204" pitchFamily="49" charset="0"/>
+                </a:rPr>
+                <a:t>EDU</a:t>
+              </a:r>
+              <a:endParaRPr lang="en-SG" sz="6400" b="1" dirty="0">
+                <a:solidFill>
+                  <a:schemeClr val="accent6">
+                    <a:lumMod val="75000"/>
+                  </a:schemeClr>
+                </a:solidFill>
+                <a:latin typeface="Lucida Console" panose="020B0609040504020204" pitchFamily="49" charset="0"/>
+                <a:cs typeface="Consolas" panose="020B0609020204030204" pitchFamily="49" charset="0"/>
+              </a:endParaRPr>
+            </a:p>
+          </p:txBody>
+        </p:sp>
+        <p:sp>
+          <p:nvSpPr>
+            <p:cNvPr id="5" name="Round Diagonal Corner Rectangle 15"/>
+            <p:cNvSpPr/>
+            <p:nvPr/>
+          </p:nvSpPr>
+          <p:spPr>
+            <a:xfrm>
+              <a:off x="1052516" y="4528899"/>
+              <a:ext cx="1683771" cy="1683771"/>
+            </a:xfrm>
+            <a:prstGeom prst="round2DiagRect">
+              <a:avLst/>
+            </a:prstGeom>
+            <a:noFill/>
+            <a:ln w="57150" cap="rnd">
+              <a:solidFill>
+                <a:schemeClr val="tx1"/>
+              </a:solidFill>
+            </a:ln>
+          </p:spPr>
+          <p:style>
+            <a:lnRef idx="2">
+              <a:schemeClr val="accent1">
+                <a:shade val="50000"/>
+              </a:schemeClr>
+            </a:lnRef>
+            <a:fillRef idx="1">
+              <a:schemeClr val="accent1"/>
+            </a:fillRef>
+            <a:effectRef idx="0">
+              <a:schemeClr val="accent1"/>
+            </a:effectRef>
+            <a:fontRef idx="minor">
+              <a:schemeClr val="lt1"/>
+            </a:fontRef>
+          </p:style>
+          <p:txBody>
+            <a:bodyPr rtlCol="0" anchor="ctr"/>
+            <a:lstStyle/>
+            <a:p>
+              <a:pPr algn="ctr"/>
+              <a:r>
+                <a:rPr lang="en-US" sz="4000" b="1" dirty="0" smtClean="0">
+                  <a:latin typeface="Lucida Console" panose="020B0609040504020204" pitchFamily="49" charset="0"/>
+                  <a:cs typeface="Consolas" panose="020B0609020204030204" pitchFamily="49" charset="0"/>
+                </a:rPr>
+                <a:t/>
+              </a:r>
+              <a:br>
+                <a:rPr lang="en-US" sz="4000" b="1" dirty="0" smtClean="0">
+                  <a:latin typeface="Lucida Console" panose="020B0609040504020204" pitchFamily="49" charset="0"/>
+                  <a:cs typeface="Consolas" panose="020B0609020204030204" pitchFamily="49" charset="0"/>
+                </a:rPr>
+              </a:br>
+              <a:endParaRPr lang="en-SG" sz="4000" b="1" dirty="0">
+                <a:solidFill>
+                  <a:schemeClr val="accent6">
+                    <a:lumMod val="75000"/>
+                  </a:schemeClr>
+                </a:solidFill>
+                <a:latin typeface="Lucida Console" panose="020B0609040504020204" pitchFamily="49" charset="0"/>
+                <a:cs typeface="Consolas" panose="020B0609020204030204" pitchFamily="49" charset="0"/>
+              </a:endParaRPr>
+            </a:p>
+          </p:txBody>
+        </p:sp>
+      </p:grpSp>
+    </p:spTree>
+    <p:extLst>
+      <p:ext uri="{BB962C8B-B14F-4D97-AF65-F5344CB8AC3E}">
+        <p14:creationId xmlns:p14="http://schemas.microsoft.com/office/powerpoint/2010/main" val="600037096"/>
       </p:ext>
     </p:extLst>
   </p:cSld>
